--- a/docs/diagrams/ScriptCommandSequenceDiagram.pptx
+++ b/docs/diagrams/ScriptCommandSequenceDiagram.pptx
@@ -208,7 +208,7 @@
           <a:p>
             <a:fld id="{F5CC4B3F-88C1-4FFA-B1B6-F41C21DC6924}" type="datetimeFigureOut">
               <a:rPr lang="en-US" smtClean="0"/>
-              <a:t>11/6/2018</a:t>
+              <a:t>11/7/2018</a:t>
             </a:fld>
             <a:endParaRPr lang="en-US"/>
           </a:p>
@@ -738,7 +738,7 @@
           <a:p>
             <a:fld id="{78C97017-6FC3-485B-9764-EAC9E56C1D49}" type="datetimeFigureOut">
               <a:rPr lang="en-US" smtClean="0"/>
-              <a:t>11/6/2018</a:t>
+              <a:t>11/7/2018</a:t>
             </a:fld>
             <a:endParaRPr lang="en-US"/>
           </a:p>
@@ -906,7 +906,7 @@
           <a:p>
             <a:fld id="{78C97017-6FC3-485B-9764-EAC9E56C1D49}" type="datetimeFigureOut">
               <a:rPr lang="en-US" smtClean="0"/>
-              <a:t>11/6/2018</a:t>
+              <a:t>11/7/2018</a:t>
             </a:fld>
             <a:endParaRPr lang="en-US"/>
           </a:p>
@@ -1084,7 +1084,7 @@
           <a:p>
             <a:fld id="{78C97017-6FC3-485B-9764-EAC9E56C1D49}" type="datetimeFigureOut">
               <a:rPr lang="en-US" smtClean="0"/>
-              <a:t>11/6/2018</a:t>
+              <a:t>11/7/2018</a:t>
             </a:fld>
             <a:endParaRPr lang="en-US"/>
           </a:p>
@@ -1252,7 +1252,7 @@
           <a:p>
             <a:fld id="{78C97017-6FC3-485B-9764-EAC9E56C1D49}" type="datetimeFigureOut">
               <a:rPr lang="en-US" smtClean="0"/>
-              <a:t>11/6/2018</a:t>
+              <a:t>11/7/2018</a:t>
             </a:fld>
             <a:endParaRPr lang="en-US"/>
           </a:p>
@@ -1497,7 +1497,7 @@
           <a:p>
             <a:fld id="{78C97017-6FC3-485B-9764-EAC9E56C1D49}" type="datetimeFigureOut">
               <a:rPr lang="en-US" smtClean="0"/>
-              <a:t>11/6/2018</a:t>
+              <a:t>11/7/2018</a:t>
             </a:fld>
             <a:endParaRPr lang="en-US"/>
           </a:p>
@@ -1782,7 +1782,7 @@
           <a:p>
             <a:fld id="{78C97017-6FC3-485B-9764-EAC9E56C1D49}" type="datetimeFigureOut">
               <a:rPr lang="en-US" smtClean="0"/>
-              <a:t>11/6/2018</a:t>
+              <a:t>11/7/2018</a:t>
             </a:fld>
             <a:endParaRPr lang="en-US"/>
           </a:p>
@@ -2201,7 +2201,7 @@
           <a:p>
             <a:fld id="{78C97017-6FC3-485B-9764-EAC9E56C1D49}" type="datetimeFigureOut">
               <a:rPr lang="en-US" smtClean="0"/>
-              <a:t>11/6/2018</a:t>
+              <a:t>11/7/2018</a:t>
             </a:fld>
             <a:endParaRPr lang="en-US"/>
           </a:p>
@@ -2318,7 +2318,7 @@
           <a:p>
             <a:fld id="{78C97017-6FC3-485B-9764-EAC9E56C1D49}" type="datetimeFigureOut">
               <a:rPr lang="en-US" smtClean="0"/>
-              <a:t>11/6/2018</a:t>
+              <a:t>11/7/2018</a:t>
             </a:fld>
             <a:endParaRPr lang="en-US"/>
           </a:p>
@@ -2413,7 +2413,7 @@
           <a:p>
             <a:fld id="{78C97017-6FC3-485B-9764-EAC9E56C1D49}" type="datetimeFigureOut">
               <a:rPr lang="en-US" smtClean="0"/>
-              <a:t>11/6/2018</a:t>
+              <a:t>11/7/2018</a:t>
             </a:fld>
             <a:endParaRPr lang="en-US"/>
           </a:p>
@@ -2688,7 +2688,7 @@
           <a:p>
             <a:fld id="{78C97017-6FC3-485B-9764-EAC9E56C1D49}" type="datetimeFigureOut">
               <a:rPr lang="en-US" smtClean="0"/>
-              <a:t>11/6/2018</a:t>
+              <a:t>11/7/2018</a:t>
             </a:fld>
             <a:endParaRPr lang="en-US"/>
           </a:p>
@@ -2940,7 +2940,7 @@
           <a:p>
             <a:fld id="{78C97017-6FC3-485B-9764-EAC9E56C1D49}" type="datetimeFigureOut">
               <a:rPr lang="en-US" smtClean="0"/>
-              <a:t>11/6/2018</a:t>
+              <a:t>11/7/2018</a:t>
             </a:fld>
             <a:endParaRPr lang="en-US"/>
           </a:p>
@@ -3151,7 +3151,7 @@
           <a:p>
             <a:fld id="{78C97017-6FC3-485B-9764-EAC9E56C1D49}" type="datetimeFigureOut">
               <a:rPr lang="en-US" smtClean="0"/>
-              <a:t>11/6/2018</a:t>
+              <a:t>11/7/2018</a:t>
             </a:fld>
             <a:endParaRPr lang="en-US"/>
           </a:p>
@@ -3540,12 +3540,12 @@
         </p:nvSpPr>
         <p:spPr>
           <a:xfrm>
-            <a:off x="6653461" y="-609600"/>
-            <a:ext cx="4320800" cy="6705598"/>
+            <a:off x="6710091" y="-605354"/>
+            <a:ext cx="4320800" cy="6701354"/>
           </a:xfrm>
           <a:prstGeom prst="roundRect">
             <a:avLst>
-              <a:gd name="adj" fmla="val 3904"/>
+              <a:gd name="adj" fmla="val 3463"/>
             </a:avLst>
           </a:prstGeom>
           <a:solidFill>
@@ -3624,7 +3624,7 @@
         </p:nvSpPr>
         <p:spPr>
           <a:xfrm>
-            <a:off x="-2138294" y="-495886"/>
+            <a:off x="-2009689" y="-622443"/>
             <a:ext cx="8852241" cy="6705592"/>
           </a:xfrm>
           <a:prstGeom prst="roundRect">
@@ -3668,13 +3668,6 @@
             </a:endParaRPr>
           </a:p>
           <a:p>
-            <a:endParaRPr lang="en-US" sz="1200" b="1" dirty="0">
-              <a:solidFill>
-                <a:srgbClr val="0070C0"/>
-              </a:solidFill>
-            </a:endParaRPr>
-          </a:p>
-          <a:p>
             <a:r>
               <a:rPr lang="en-US" sz="1200" b="1" dirty="0">
                 <a:solidFill>
@@ -4006,7 +3999,7 @@
         </p:nvSpPr>
         <p:spPr>
           <a:xfrm>
-            <a:off x="4227156" y="1343580"/>
+            <a:off x="4419600" y="1343580"/>
             <a:ext cx="175511" cy="279033"/>
           </a:xfrm>
           <a:prstGeom prst="rect">
@@ -4048,13 +4041,15 @@
       <p:cxnSp>
         <p:nvCxnSpPr>
           <p:cNvPr id="23" name="Straight Arrow Connector 22"/>
-          <p:cNvCxnSpPr/>
+          <p:cNvCxnSpPr>
+            <a:cxnSpLocks/>
+          </p:cNvCxnSpPr>
           <p:nvPr/>
         </p:nvCxnSpPr>
         <p:spPr>
           <a:xfrm>
-            <a:off x="-1668631" y="117008"/>
-            <a:ext cx="1119851" cy="0"/>
+            <a:off x="-1905000" y="159391"/>
+            <a:ext cx="1347457" cy="0"/>
           </a:xfrm>
           <a:prstGeom prst="straightConnector1">
             <a:avLst/>
@@ -4420,8 +4415,8 @@
         </p:nvCxnSpPr>
         <p:spPr>
           <a:xfrm>
-            <a:off x="4416912" y="2743200"/>
-            <a:ext cx="1220359" cy="0"/>
+            <a:off x="4572000" y="2743200"/>
+            <a:ext cx="1065271" cy="0"/>
           </a:xfrm>
           <a:prstGeom prst="straightConnector1">
             <a:avLst/>
@@ -4465,7 +4460,7 @@
         <p:spPr>
           <a:xfrm>
             <a:off x="-428013" y="2667000"/>
-            <a:ext cx="4625273" cy="0"/>
+            <a:ext cx="4797328" cy="0"/>
           </a:xfrm>
           <a:prstGeom prst="straightConnector1">
             <a:avLst/>
@@ -4552,8 +4547,8 @@
         </p:nvCxnSpPr>
         <p:spPr>
           <a:xfrm>
-            <a:off x="2964264" y="1570050"/>
-            <a:ext cx="1259753" cy="0"/>
+            <a:off x="2964264" y="1600200"/>
+            <a:ext cx="1455336" cy="0"/>
           </a:xfrm>
           <a:prstGeom prst="straightConnector1">
             <a:avLst/>
@@ -4819,8 +4814,8 @@
         </p:nvCxnSpPr>
         <p:spPr>
           <a:xfrm>
-            <a:off x="2964264" y="1392691"/>
-            <a:ext cx="1261753" cy="0"/>
+            <a:off x="2964264" y="1371600"/>
+            <a:ext cx="1438299" cy="0"/>
           </a:xfrm>
           <a:prstGeom prst="straightConnector1">
             <a:avLst/>
@@ -4861,7 +4856,7 @@
         </p:nvSpPr>
         <p:spPr>
           <a:xfrm>
-            <a:off x="3490190" y="578812"/>
+            <a:off x="3657600" y="152400"/>
             <a:ext cx="1640309" cy="495620"/>
           </a:xfrm>
           <a:prstGeom prst="rect">
@@ -4927,9 +4922,9 @@
           <p:nvPr/>
         </p:nvCxnSpPr>
         <p:spPr>
-          <a:xfrm>
-            <a:off x="4302217" y="1083564"/>
-            <a:ext cx="5409" cy="1569409"/>
+          <a:xfrm flipH="1">
+            <a:off x="4501209" y="688125"/>
+            <a:ext cx="3067" cy="1964848"/>
           </a:xfrm>
           <a:prstGeom prst="line">
             <a:avLst/>
@@ -5018,9 +5013,9 @@
           <p:nvPr/>
         </p:nvCxnSpPr>
         <p:spPr>
-          <a:xfrm flipV="1">
-            <a:off x="-448479" y="5330487"/>
-            <a:ext cx="4647017" cy="14228"/>
+          <a:xfrm>
+            <a:off x="-448479" y="5344715"/>
+            <a:ext cx="4817794" cy="6652"/>
           </a:xfrm>
           <a:prstGeom prst="straightConnector1">
             <a:avLst/>
@@ -5194,8 +5189,8 @@
         </p:nvCxnSpPr>
         <p:spPr>
           <a:xfrm>
-            <a:off x="4402667" y="3276600"/>
-            <a:ext cx="3792479" cy="0"/>
+            <a:off x="4593453" y="3276600"/>
+            <a:ext cx="3601693" cy="0"/>
           </a:xfrm>
           <a:prstGeom prst="straightConnector1">
             <a:avLst/>
@@ -5236,7 +5231,7 @@
         </p:nvSpPr>
         <p:spPr>
           <a:xfrm>
-            <a:off x="4724400" y="4275909"/>
+            <a:off x="4918847" y="4275909"/>
             <a:ext cx="1576051" cy="504882"/>
           </a:xfrm>
           <a:prstGeom prst="rect">
@@ -5303,8 +5298,8 @@
         </p:nvCxnSpPr>
         <p:spPr>
           <a:xfrm>
-            <a:off x="4410801" y="5105400"/>
-            <a:ext cx="1031442" cy="0"/>
+            <a:off x="4605248" y="5047092"/>
+            <a:ext cx="965986" cy="0"/>
           </a:xfrm>
           <a:prstGeom prst="straightConnector1">
             <a:avLst/>
@@ -5345,8 +5340,8 @@
         </p:nvSpPr>
         <p:spPr>
           <a:xfrm>
-            <a:off x="5442243" y="5105400"/>
-            <a:ext cx="143923" cy="140025"/>
+            <a:off x="5600541" y="5047092"/>
+            <a:ext cx="143923" cy="198333"/>
           </a:xfrm>
           <a:prstGeom prst="rect">
             <a:avLst/>
@@ -5400,8 +5395,8 @@
         </p:nvCxnSpPr>
         <p:spPr>
           <a:xfrm>
-            <a:off x="4384218" y="5245425"/>
-            <a:ext cx="1058025" cy="0"/>
+            <a:off x="4578665" y="5245425"/>
+            <a:ext cx="992569" cy="0"/>
           </a:xfrm>
           <a:prstGeom prst="straightConnector1">
             <a:avLst/>
@@ -5446,7 +5441,7 @@
         </p:nvCxnSpPr>
         <p:spPr>
           <a:xfrm>
-            <a:off x="4410801" y="3657600"/>
+            <a:off x="4597400" y="3674667"/>
             <a:ext cx="77219" cy="61094"/>
           </a:xfrm>
           <a:prstGeom prst="curvedConnector3">
@@ -5484,7 +5479,7 @@
         </p:nvSpPr>
         <p:spPr>
           <a:xfrm>
-            <a:off x="4210616" y="2662243"/>
+            <a:off x="4402563" y="2662243"/>
             <a:ext cx="169437" cy="2689621"/>
           </a:xfrm>
           <a:prstGeom prst="rect">
@@ -5768,8 +5763,8 @@
         </p:nvCxnSpPr>
         <p:spPr>
           <a:xfrm>
-            <a:off x="4395454" y="2976038"/>
-            <a:ext cx="1229208" cy="0"/>
+            <a:off x="4572000" y="2976038"/>
+            <a:ext cx="1052662" cy="0"/>
           </a:xfrm>
           <a:prstGeom prst="straightConnector1">
             <a:avLst/>
@@ -6038,8 +6033,8 @@
         </p:nvCxnSpPr>
         <p:spPr>
           <a:xfrm>
-            <a:off x="4423274" y="3577162"/>
-            <a:ext cx="3839338" cy="4238"/>
+            <a:off x="4572000" y="3572665"/>
+            <a:ext cx="3690612" cy="8735"/>
           </a:xfrm>
           <a:prstGeom prst="straightConnector1">
             <a:avLst/>
@@ -6082,7 +6077,7 @@
         </p:nvSpPr>
         <p:spPr>
           <a:xfrm>
-            <a:off x="4470790" y="3768222"/>
+            <a:off x="4665237" y="3768222"/>
             <a:ext cx="2046490" cy="215444"/>
           </a:xfrm>
           <a:prstGeom prst="rect">
@@ -6128,7 +6123,7 @@
         </p:nvSpPr>
         <p:spPr>
           <a:xfrm>
-            <a:off x="4301353" y="3714772"/>
+            <a:off x="4495800" y="3714772"/>
             <a:ext cx="169437" cy="358614"/>
           </a:xfrm>
           <a:prstGeom prst="rect">
@@ -6183,7 +6178,7 @@
         </p:nvCxnSpPr>
         <p:spPr>
           <a:xfrm>
-            <a:off x="4289284" y="5351367"/>
+            <a:off x="4495800" y="5351367"/>
             <a:ext cx="0" cy="194565"/>
           </a:xfrm>
           <a:prstGeom prst="line">
@@ -6226,7 +6221,7 @@
         </p:nvGrpSpPr>
         <p:grpSpPr>
           <a:xfrm>
-            <a:off x="4369924" y="4004425"/>
+            <a:off x="4564371" y="4004425"/>
             <a:ext cx="331689" cy="241692"/>
             <a:chOff x="4370776" y="4204076"/>
             <a:chExt cx="331689" cy="241692"/>
@@ -6385,7 +6380,7 @@
         </p:nvCxnSpPr>
         <p:spPr>
           <a:xfrm>
-            <a:off x="5513661" y="4780791"/>
+            <a:off x="5672502" y="4797885"/>
             <a:ext cx="0" cy="532603"/>
           </a:xfrm>
           <a:prstGeom prst="line">
@@ -6428,7 +6423,7 @@
         </p:nvSpPr>
         <p:spPr>
           <a:xfrm>
-            <a:off x="4540152" y="4016127"/>
+            <a:off x="4734599" y="4016127"/>
             <a:ext cx="1673271" cy="215444"/>
           </a:xfrm>
           <a:prstGeom prst="rect">
@@ -6456,6 +6451,60 @@
             <a:r>
               <a:rPr lang="en-US" dirty="0"/>
               <a:t>multCommandError</a:t>
+            </a:r>
+          </a:p>
+        </p:txBody>
+      </p:sp>
+      <p:sp>
+        <p:nvSpPr>
+          <p:cNvPr id="63" name="TextBox 62">
+            <a:extLst>
+              <a:ext uri="{FF2B5EF4-FFF2-40B4-BE49-F238E27FC236}">
+                <a16:creationId xmlns:a16="http://schemas.microsoft.com/office/drawing/2014/main" id="{BF8A28F6-D6D2-46AB-80EA-10F3E5321DCF}"/>
+              </a:ext>
+            </a:extLst>
+          </p:cNvPr>
+          <p:cNvSpPr txBox="1"/>
+          <p:nvPr/>
+        </p:nvSpPr>
+        <p:spPr>
+          <a:xfrm>
+            <a:off x="2849826" y="790810"/>
+            <a:ext cx="1698037" cy="430887"/>
+          </a:xfrm>
+          <a:prstGeom prst="rect">
+            <a:avLst/>
+          </a:prstGeom>
+          <a:noFill/>
+        </p:spPr>
+        <p:txBody>
+          <a:bodyPr wrap="square" lIns="0" tIns="0" rIns="0" bIns="0" rtlCol="0">
+            <a:spAutoFit/>
+          </a:bodyPr>
+          <a:lstStyle>
+            <a:defPPr>
+              <a:defRPr lang="en-US"/>
+            </a:defPPr>
+            <a:lvl1pPr algn="r">
+              <a:defRPr sz="1400">
+                <a:solidFill>
+                  <a:srgbClr val="0070C0"/>
+                </a:solidFill>
+              </a:defRPr>
+            </a:lvl1pPr>
+          </a:lstStyle>
+          <a:p>
+            <a:pPr algn="ctr"/>
+            <a:r>
+              <a:rPr lang="en-US" dirty="0"/>
+              <a:t>ScriptCommand</a:t>
+            </a:r>
+          </a:p>
+          <a:p>
+            <a:pPr algn="ctr"/>
+            <a:r>
+              <a:rPr lang="en-US" dirty="0"/>
+              <a:t>(“addpersons”, add”)</a:t>
             </a:r>
           </a:p>
         </p:txBody>

--- a/docs/diagrams/ScriptCommandSequenceDiagram.pptx
+++ b/docs/diagrams/ScriptCommandSequenceDiagram.pptx
@@ -208,7 +208,7 @@
           <a:p>
             <a:fld id="{F5CC4B3F-88C1-4FFA-B1B6-F41C21DC6924}" type="datetimeFigureOut">
               <a:rPr lang="en-US" smtClean="0"/>
-              <a:t>11/7/2018</a:t>
+              <a:t>11/8/2018</a:t>
             </a:fld>
             <a:endParaRPr lang="en-US"/>
           </a:p>
@@ -738,7 +738,7 @@
           <a:p>
             <a:fld id="{78C97017-6FC3-485B-9764-EAC9E56C1D49}" type="datetimeFigureOut">
               <a:rPr lang="en-US" smtClean="0"/>
-              <a:t>11/7/2018</a:t>
+              <a:t>11/8/2018</a:t>
             </a:fld>
             <a:endParaRPr lang="en-US"/>
           </a:p>
@@ -906,7 +906,7 @@
           <a:p>
             <a:fld id="{78C97017-6FC3-485B-9764-EAC9E56C1D49}" type="datetimeFigureOut">
               <a:rPr lang="en-US" smtClean="0"/>
-              <a:t>11/7/2018</a:t>
+              <a:t>11/8/2018</a:t>
             </a:fld>
             <a:endParaRPr lang="en-US"/>
           </a:p>
@@ -1084,7 +1084,7 @@
           <a:p>
             <a:fld id="{78C97017-6FC3-485B-9764-EAC9E56C1D49}" type="datetimeFigureOut">
               <a:rPr lang="en-US" smtClean="0"/>
-              <a:t>11/7/2018</a:t>
+              <a:t>11/8/2018</a:t>
             </a:fld>
             <a:endParaRPr lang="en-US"/>
           </a:p>
@@ -1252,7 +1252,7 @@
           <a:p>
             <a:fld id="{78C97017-6FC3-485B-9764-EAC9E56C1D49}" type="datetimeFigureOut">
               <a:rPr lang="en-US" smtClean="0"/>
-              <a:t>11/7/2018</a:t>
+              <a:t>11/8/2018</a:t>
             </a:fld>
             <a:endParaRPr lang="en-US"/>
           </a:p>
@@ -1497,7 +1497,7 @@
           <a:p>
             <a:fld id="{78C97017-6FC3-485B-9764-EAC9E56C1D49}" type="datetimeFigureOut">
               <a:rPr lang="en-US" smtClean="0"/>
-              <a:t>11/7/2018</a:t>
+              <a:t>11/8/2018</a:t>
             </a:fld>
             <a:endParaRPr lang="en-US"/>
           </a:p>
@@ -1782,7 +1782,7 @@
           <a:p>
             <a:fld id="{78C97017-6FC3-485B-9764-EAC9E56C1D49}" type="datetimeFigureOut">
               <a:rPr lang="en-US" smtClean="0"/>
-              <a:t>11/7/2018</a:t>
+              <a:t>11/8/2018</a:t>
             </a:fld>
             <a:endParaRPr lang="en-US"/>
           </a:p>
@@ -2201,7 +2201,7 @@
           <a:p>
             <a:fld id="{78C97017-6FC3-485B-9764-EAC9E56C1D49}" type="datetimeFigureOut">
               <a:rPr lang="en-US" smtClean="0"/>
-              <a:t>11/7/2018</a:t>
+              <a:t>11/8/2018</a:t>
             </a:fld>
             <a:endParaRPr lang="en-US"/>
           </a:p>
@@ -2318,7 +2318,7 @@
           <a:p>
             <a:fld id="{78C97017-6FC3-485B-9764-EAC9E56C1D49}" type="datetimeFigureOut">
               <a:rPr lang="en-US" smtClean="0"/>
-              <a:t>11/7/2018</a:t>
+              <a:t>11/8/2018</a:t>
             </a:fld>
             <a:endParaRPr lang="en-US"/>
           </a:p>
@@ -2413,7 +2413,7 @@
           <a:p>
             <a:fld id="{78C97017-6FC3-485B-9764-EAC9E56C1D49}" type="datetimeFigureOut">
               <a:rPr lang="en-US" smtClean="0"/>
-              <a:t>11/7/2018</a:t>
+              <a:t>11/8/2018</a:t>
             </a:fld>
             <a:endParaRPr lang="en-US"/>
           </a:p>
@@ -2688,7 +2688,7 @@
           <a:p>
             <a:fld id="{78C97017-6FC3-485B-9764-EAC9E56C1D49}" type="datetimeFigureOut">
               <a:rPr lang="en-US" smtClean="0"/>
-              <a:t>11/7/2018</a:t>
+              <a:t>11/8/2018</a:t>
             </a:fld>
             <a:endParaRPr lang="en-US"/>
           </a:p>
@@ -2940,7 +2940,7 @@
           <a:p>
             <a:fld id="{78C97017-6FC3-485B-9764-EAC9E56C1D49}" type="datetimeFigureOut">
               <a:rPr lang="en-US" smtClean="0"/>
-              <a:t>11/7/2018</a:t>
+              <a:t>11/8/2018</a:t>
             </a:fld>
             <a:endParaRPr lang="en-US"/>
           </a:p>
@@ -3151,7 +3151,7 @@
           <a:p>
             <a:fld id="{78C97017-6FC3-485B-9764-EAC9E56C1D49}" type="datetimeFigureOut">
               <a:rPr lang="en-US" smtClean="0"/>
-              <a:t>11/7/2018</a:t>
+              <a:t>11/8/2018</a:t>
             </a:fld>
             <a:endParaRPr lang="en-US"/>
           </a:p>
@@ -6077,8 +6077,8 @@
         </p:nvSpPr>
         <p:spPr>
           <a:xfrm>
-            <a:off x="4665237" y="3768222"/>
-            <a:ext cx="2046490" cy="215444"/>
+            <a:off x="4535706" y="3759400"/>
+            <a:ext cx="6024227" cy="215444"/>
           </a:xfrm>
           <a:prstGeom prst="rect">
             <a:avLst/>
@@ -6102,9 +6102,10 @@
             </a:lvl1pPr>
           </a:lstStyle>
           <a:p>
+            <a:pPr algn="ctr"/>
             <a:r>
               <a:rPr lang="en-US" dirty="0"/>
-              <a:t>executeMutipleCommand()</a:t>
+              <a:t>executeMutipleCommand(scriptParser, commandArguments, model, history)</a:t>
             </a:r>
           </a:p>
         </p:txBody>
@@ -6505,6 +6506,57 @@
             <a:r>
               <a:rPr lang="en-US" dirty="0"/>
               <a:t>(“addpersons”, add”)</a:t>
+            </a:r>
+          </a:p>
+        </p:txBody>
+      </p:sp>
+      <p:sp>
+        <p:nvSpPr>
+          <p:cNvPr id="64" name="TextBox 63">
+            <a:extLst>
+              <a:ext uri="{FF2B5EF4-FFF2-40B4-BE49-F238E27FC236}">
+                <a16:creationId xmlns:a16="http://schemas.microsoft.com/office/drawing/2014/main" id="{882A4C81-D72A-4B98-AB62-87015B79E1E1}"/>
+              </a:ext>
+            </a:extLst>
+          </p:cNvPr>
+          <p:cNvSpPr txBox="1"/>
+          <p:nvPr/>
+        </p:nvSpPr>
+        <p:spPr>
+          <a:xfrm>
+            <a:off x="6293520" y="3321379"/>
+            <a:ext cx="1624571" cy="215444"/>
+          </a:xfrm>
+          <a:prstGeom prst="rect">
+            <a:avLst/>
+          </a:prstGeom>
+          <a:noFill/>
+        </p:spPr>
+        <p:txBody>
+          <a:bodyPr wrap="square" lIns="0" tIns="0" rIns="0" bIns="0" rtlCol="0">
+            <a:spAutoFit/>
+          </a:bodyPr>
+          <a:lstStyle>
+            <a:defPPr>
+              <a:defRPr lang="en-US"/>
+            </a:defPPr>
+            <a:lvl1pPr algn="r">
+              <a:defRPr sz="1400">
+                <a:solidFill>
+                  <a:srgbClr val="0070C0"/>
+                </a:solidFill>
+              </a:defRPr>
+            </a:lvl1pPr>
+          </a:lstStyle>
+          <a:p>
+            <a:pPr algn="ctr"/>
+            <a:r>
+              <a:rPr lang="en-US" dirty="0">
+                <a:solidFill>
+                  <a:srgbClr val="31859C"/>
+                </a:solidFill>
+              </a:rPr>
+              <a:t>commandArguments</a:t>
             </a:r>
           </a:p>
         </p:txBody>
